--- a/wp-content/images/2022-06-10-home-networking/draw.pptx
+++ b/wp-content/images/2022-06-10-home-networking/draw.pptx
@@ -19,6 +19,7 @@
     <p:sldId id="267" r:id="rId13"/>
     <p:sldId id="268" r:id="rId14"/>
     <p:sldId id="269" r:id="rId15"/>
+    <p:sldId id="270" r:id="rId16"/>
   </p:sldIdLst>
   <p:sldSz cx="12192000" cy="6858000"/>
   <p:notesSz cx="6858000" cy="9144000"/>
@@ -272,7 +273,7 @@
           <a:p>
             <a:fld id="{452FEA44-22A0-4606-8C0F-AAFFC0087744}" type="datetimeFigureOut">
               <a:rPr lang="zh-TW" altLang="en-US" smtClean="0"/>
-              <a:t>2022/6/11</a:t>
+              <a:t>2022/6/26</a:t>
             </a:fld>
             <a:endParaRPr lang="zh-TW" altLang="en-US"/>
           </a:p>
@@ -470,7 +471,7 @@
           <a:p>
             <a:fld id="{452FEA44-22A0-4606-8C0F-AAFFC0087744}" type="datetimeFigureOut">
               <a:rPr lang="zh-TW" altLang="en-US" smtClean="0"/>
-              <a:t>2022/6/11</a:t>
+              <a:t>2022/6/26</a:t>
             </a:fld>
             <a:endParaRPr lang="zh-TW" altLang="en-US"/>
           </a:p>
@@ -678,7 +679,7 @@
           <a:p>
             <a:fld id="{452FEA44-22A0-4606-8C0F-AAFFC0087744}" type="datetimeFigureOut">
               <a:rPr lang="zh-TW" altLang="en-US" smtClean="0"/>
-              <a:t>2022/6/11</a:t>
+              <a:t>2022/6/26</a:t>
             </a:fld>
             <a:endParaRPr lang="zh-TW" altLang="en-US"/>
           </a:p>
@@ -876,7 +877,7 @@
           <a:p>
             <a:fld id="{452FEA44-22A0-4606-8C0F-AAFFC0087744}" type="datetimeFigureOut">
               <a:rPr lang="zh-TW" altLang="en-US" smtClean="0"/>
-              <a:t>2022/6/11</a:t>
+              <a:t>2022/6/26</a:t>
             </a:fld>
             <a:endParaRPr lang="zh-TW" altLang="en-US"/>
           </a:p>
@@ -1151,7 +1152,7 @@
           <a:p>
             <a:fld id="{452FEA44-22A0-4606-8C0F-AAFFC0087744}" type="datetimeFigureOut">
               <a:rPr lang="zh-TW" altLang="en-US" smtClean="0"/>
-              <a:t>2022/6/11</a:t>
+              <a:t>2022/6/26</a:t>
             </a:fld>
             <a:endParaRPr lang="zh-TW" altLang="en-US"/>
           </a:p>
@@ -1416,7 +1417,7 @@
           <a:p>
             <a:fld id="{452FEA44-22A0-4606-8C0F-AAFFC0087744}" type="datetimeFigureOut">
               <a:rPr lang="zh-TW" altLang="en-US" smtClean="0"/>
-              <a:t>2022/6/11</a:t>
+              <a:t>2022/6/26</a:t>
             </a:fld>
             <a:endParaRPr lang="zh-TW" altLang="en-US"/>
           </a:p>
@@ -1828,7 +1829,7 @@
           <a:p>
             <a:fld id="{452FEA44-22A0-4606-8C0F-AAFFC0087744}" type="datetimeFigureOut">
               <a:rPr lang="zh-TW" altLang="en-US" smtClean="0"/>
-              <a:t>2022/6/11</a:t>
+              <a:t>2022/6/26</a:t>
             </a:fld>
             <a:endParaRPr lang="zh-TW" altLang="en-US"/>
           </a:p>
@@ -1969,7 +1970,7 @@
           <a:p>
             <a:fld id="{452FEA44-22A0-4606-8C0F-AAFFC0087744}" type="datetimeFigureOut">
               <a:rPr lang="zh-TW" altLang="en-US" smtClean="0"/>
-              <a:t>2022/6/11</a:t>
+              <a:t>2022/6/26</a:t>
             </a:fld>
             <a:endParaRPr lang="zh-TW" altLang="en-US"/>
           </a:p>
@@ -2082,7 +2083,7 @@
           <a:p>
             <a:fld id="{452FEA44-22A0-4606-8C0F-AAFFC0087744}" type="datetimeFigureOut">
               <a:rPr lang="zh-TW" altLang="en-US" smtClean="0"/>
-              <a:t>2022/6/11</a:t>
+              <a:t>2022/6/26</a:t>
             </a:fld>
             <a:endParaRPr lang="zh-TW" altLang="en-US"/>
           </a:p>
@@ -2393,7 +2394,7 @@
           <a:p>
             <a:fld id="{452FEA44-22A0-4606-8C0F-AAFFC0087744}" type="datetimeFigureOut">
               <a:rPr lang="zh-TW" altLang="en-US" smtClean="0"/>
-              <a:t>2022/6/11</a:t>
+              <a:t>2022/6/26</a:t>
             </a:fld>
             <a:endParaRPr lang="zh-TW" altLang="en-US"/>
           </a:p>
@@ -2681,7 +2682,7 @@
           <a:p>
             <a:fld id="{452FEA44-22A0-4606-8C0F-AAFFC0087744}" type="datetimeFigureOut">
               <a:rPr lang="zh-TW" altLang="en-US" smtClean="0"/>
-              <a:t>2022/6/11</a:t>
+              <a:t>2022/6/26</a:t>
             </a:fld>
             <a:endParaRPr lang="zh-TW" altLang="en-US"/>
           </a:p>
@@ -2922,7 +2923,7 @@
           <a:p>
             <a:fld id="{452FEA44-22A0-4606-8C0F-AAFFC0087744}" type="datetimeFigureOut">
               <a:rPr lang="zh-TW" altLang="en-US" smtClean="0"/>
-              <a:t>2022/6/11</a:t>
+              <a:t>2022/6/26</a:t>
             </a:fld>
             <a:endParaRPr lang="zh-TW" altLang="en-US"/>
           </a:p>
@@ -5159,6 +5160,268 @@
 </p:sld>
 </file>
 
+<file path=ppt/slides/slide15.xml><?xml version="1.0" encoding="utf-8"?>
+<p:sld xmlns:a="http://schemas.openxmlformats.org/drawingml/2006/main" xmlns:r="http://schemas.openxmlformats.org/officeDocument/2006/relationships" xmlns:p="http://schemas.openxmlformats.org/presentationml/2006/main">
+  <p:cSld>
+    <p:spTree>
+      <p:nvGrpSpPr>
+        <p:cNvPr id="1" name=""/>
+        <p:cNvGrpSpPr/>
+        <p:nvPr/>
+      </p:nvGrpSpPr>
+      <p:grpSpPr>
+        <a:xfrm>
+          <a:off x="0" y="0"/>
+          <a:ext cx="0" cy="0"/>
+          <a:chOff x="0" y="0"/>
+          <a:chExt cx="0" cy="0"/>
+        </a:xfrm>
+      </p:grpSpPr>
+      <p:pic>
+        <p:nvPicPr>
+          <p:cNvPr id="1026" name="Picture 2">
+            <a:extLst>
+              <a:ext uri="{FF2B5EF4-FFF2-40B4-BE49-F238E27FC236}">
+                <a16:creationId xmlns:a16="http://schemas.microsoft.com/office/drawing/2014/main" id="{B798B8BE-7F65-333D-E358-9BDB14C13109}"/>
+              </a:ext>
+            </a:extLst>
+          </p:cNvPr>
+          <p:cNvPicPr>
+            <a:picLocks noChangeAspect="1" noChangeArrowheads="1"/>
+          </p:cNvPicPr>
+          <p:nvPr/>
+        </p:nvPicPr>
+        <p:blipFill>
+          <a:blip r:embed="rId2">
+            <a:extLst>
+              <a:ext uri="{28A0092B-C50C-407E-A947-70E740481C1C}">
+                <a14:useLocalDpi xmlns:a14="http://schemas.microsoft.com/office/drawing/2010/main" val="0"/>
+              </a:ext>
+            </a:extLst>
+          </a:blip>
+          <a:srcRect/>
+          <a:stretch>
+            <a:fillRect/>
+          </a:stretch>
+        </p:blipFill>
+        <p:spPr bwMode="auto">
+          <a:xfrm>
+            <a:off x="2566988" y="1566863"/>
+            <a:ext cx="7058025" cy="3724275"/>
+          </a:xfrm>
+          <a:prstGeom prst="rect">
+            <a:avLst/>
+          </a:prstGeom>
+          <a:noFill/>
+          <a:extLst>
+            <a:ext uri="{909E8E84-426E-40DD-AFC4-6F175D3DCCD1}">
+              <a14:hiddenFill xmlns:a14="http://schemas.microsoft.com/office/drawing/2010/main">
+                <a:solidFill>
+                  <a:srgbClr val="FFFFFF"/>
+                </a:solidFill>
+              </a14:hiddenFill>
+            </a:ext>
+          </a:extLst>
+        </p:spPr>
+      </p:pic>
+      <p:sp>
+        <p:nvSpPr>
+          <p:cNvPr id="14" name="矩形 13">
+            <a:extLst>
+              <a:ext uri="{FF2B5EF4-FFF2-40B4-BE49-F238E27FC236}">
+                <a16:creationId xmlns:a16="http://schemas.microsoft.com/office/drawing/2014/main" id="{5CE29BB0-CE52-2115-12A5-660835F1F2FE}"/>
+              </a:ext>
+            </a:extLst>
+          </p:cNvPr>
+          <p:cNvSpPr/>
+          <p:nvPr/>
+        </p:nvSpPr>
+        <p:spPr>
+          <a:xfrm>
+            <a:off x="2189408" y="2034862"/>
+            <a:ext cx="5087155" cy="2202287"/>
+          </a:xfrm>
+          <a:prstGeom prst="rect">
+            <a:avLst/>
+          </a:prstGeom>
+          <a:solidFill>
+            <a:srgbClr val="4472C4">
+              <a:alpha val="65098"/>
+            </a:srgbClr>
+          </a:solidFill>
+        </p:spPr>
+        <p:style>
+          <a:lnRef idx="2">
+            <a:schemeClr val="accent1">
+              <a:shade val="50000"/>
+            </a:schemeClr>
+          </a:lnRef>
+          <a:fillRef idx="1">
+            <a:schemeClr val="accent1"/>
+          </a:fillRef>
+          <a:effectRef idx="0">
+            <a:schemeClr val="accent1"/>
+          </a:effectRef>
+          <a:fontRef idx="minor">
+            <a:schemeClr val="lt1"/>
+          </a:fontRef>
+        </p:style>
+        <p:txBody>
+          <a:bodyPr rtlCol="0" anchor="ctr"/>
+          <a:lstStyle/>
+          <a:p>
+            <a:pPr algn="ctr"/>
+            <a:r>
+              <a:rPr lang="en-US" altLang="zh-TW" b="1" dirty="0">
+                <a:latin typeface="微軟正黑體 Light" panose="020B0304030504040204" pitchFamily="34" charset="-120"/>
+                <a:ea typeface="微軟正黑體 Light" panose="020B0304030504040204" pitchFamily="34" charset="-120"/>
+              </a:rPr>
+              <a:t>Switch Lite 8 (</a:t>
+            </a:r>
+            <a:r>
+              <a:rPr lang="zh-TW" altLang="en-US" b="1" dirty="0">
+                <a:latin typeface="微軟正黑體 Light" panose="020B0304030504040204" pitchFamily="34" charset="-120"/>
+                <a:ea typeface="微軟正黑體 Light" panose="020B0304030504040204" pitchFamily="34" charset="-120"/>
+              </a:rPr>
+              <a:t>沒有 </a:t>
+            </a:r>
+            <a:r>
+              <a:rPr lang="en-US" altLang="zh-TW" b="1" dirty="0">
+                <a:latin typeface="微軟正黑體 Light" panose="020B0304030504040204" pitchFamily="34" charset="-120"/>
+                <a:ea typeface="微軟正黑體 Light" panose="020B0304030504040204" pitchFamily="34" charset="-120"/>
+              </a:rPr>
+              <a:t>PoE)</a:t>
+            </a:r>
+            <a:endParaRPr lang="zh-TW" altLang="en-US" b="1" dirty="0">
+              <a:latin typeface="微軟正黑體 Light" panose="020B0304030504040204" pitchFamily="34" charset="-120"/>
+              <a:ea typeface="微軟正黑體 Light" panose="020B0304030504040204" pitchFamily="34" charset="-120"/>
+            </a:endParaRPr>
+          </a:p>
+        </p:txBody>
+      </p:sp>
+      <p:sp>
+        <p:nvSpPr>
+          <p:cNvPr id="17" name="矩形 16">
+            <a:extLst>
+              <a:ext uri="{FF2B5EF4-FFF2-40B4-BE49-F238E27FC236}">
+                <a16:creationId xmlns:a16="http://schemas.microsoft.com/office/drawing/2014/main" id="{6FD287BB-6428-C185-E55B-22287EA12AF0}"/>
+              </a:ext>
+            </a:extLst>
+          </p:cNvPr>
+          <p:cNvSpPr/>
+          <p:nvPr/>
+        </p:nvSpPr>
+        <p:spPr>
+          <a:xfrm>
+            <a:off x="7328079" y="2034862"/>
+            <a:ext cx="2421228" cy="3612524"/>
+          </a:xfrm>
+          <a:prstGeom prst="rect">
+            <a:avLst/>
+          </a:prstGeom>
+          <a:solidFill>
+            <a:srgbClr val="4472C4">
+              <a:alpha val="65098"/>
+            </a:srgbClr>
+          </a:solidFill>
+        </p:spPr>
+        <p:style>
+          <a:lnRef idx="2">
+            <a:schemeClr val="accent1">
+              <a:shade val="50000"/>
+            </a:schemeClr>
+          </a:lnRef>
+          <a:fillRef idx="1">
+            <a:schemeClr val="accent1"/>
+          </a:fillRef>
+          <a:effectRef idx="0">
+            <a:schemeClr val="accent1"/>
+          </a:effectRef>
+          <a:fontRef idx="minor">
+            <a:schemeClr val="lt1"/>
+          </a:fontRef>
+        </p:style>
+        <p:txBody>
+          <a:bodyPr rtlCol="0" anchor="ctr"/>
+          <a:lstStyle/>
+          <a:p>
+            <a:pPr algn="ctr"/>
+            <a:r>
+              <a:rPr lang="en-US" altLang="zh-TW" dirty="0"/>
+              <a:t>Next-Gen Gateway Pro</a:t>
+            </a:r>
+            <a:endParaRPr lang="zh-TW" altLang="en-US" dirty="0"/>
+          </a:p>
+        </p:txBody>
+      </p:sp>
+      <p:sp>
+        <p:nvSpPr>
+          <p:cNvPr id="18" name="矩形 17">
+            <a:extLst>
+              <a:ext uri="{FF2B5EF4-FFF2-40B4-BE49-F238E27FC236}">
+                <a16:creationId xmlns:a16="http://schemas.microsoft.com/office/drawing/2014/main" id="{186D9F25-D3F6-9692-E682-019430F8088E}"/>
+              </a:ext>
+            </a:extLst>
+          </p:cNvPr>
+          <p:cNvSpPr/>
+          <p:nvPr/>
+        </p:nvSpPr>
+        <p:spPr>
+          <a:xfrm>
+            <a:off x="2189408" y="4295104"/>
+            <a:ext cx="5087155" cy="1352282"/>
+          </a:xfrm>
+          <a:prstGeom prst="rect">
+            <a:avLst/>
+          </a:prstGeom>
+          <a:solidFill>
+            <a:srgbClr val="4472C4">
+              <a:alpha val="65098"/>
+            </a:srgbClr>
+          </a:solidFill>
+        </p:spPr>
+        <p:style>
+          <a:lnRef idx="2">
+            <a:schemeClr val="accent1">
+              <a:shade val="50000"/>
+            </a:schemeClr>
+          </a:lnRef>
+          <a:fillRef idx="1">
+            <a:schemeClr val="accent1"/>
+          </a:fillRef>
+          <a:effectRef idx="0">
+            <a:schemeClr val="accent1"/>
+          </a:effectRef>
+          <a:fontRef idx="minor">
+            <a:schemeClr val="lt1"/>
+          </a:fontRef>
+        </p:style>
+        <p:txBody>
+          <a:bodyPr rtlCol="0" anchor="ctr"/>
+          <a:lstStyle/>
+          <a:p>
+            <a:pPr algn="ctr"/>
+            <a:r>
+              <a:rPr lang="en-US" altLang="zh-TW" dirty="0"/>
+              <a:t>Cloud Key Gen2 Plus</a:t>
+            </a:r>
+            <a:endParaRPr lang="zh-TW" altLang="en-US" dirty="0"/>
+          </a:p>
+        </p:txBody>
+      </p:sp>
+    </p:spTree>
+    <p:extLst>
+      <p:ext uri="{BB962C8B-B14F-4D97-AF65-F5344CB8AC3E}">
+        <p14:creationId xmlns:p14="http://schemas.microsoft.com/office/powerpoint/2010/main" val="3368852932"/>
+      </p:ext>
+    </p:extLst>
+  </p:cSld>
+  <p:clrMapOvr>
+    <a:masterClrMapping/>
+  </p:clrMapOvr>
+</p:sld>
+</file>
+
 <file path=ppt/slides/slide2.xml><?xml version="1.0" encoding="utf-8"?>
 <p:sld xmlns:a="http://schemas.openxmlformats.org/drawingml/2006/main" xmlns:r="http://schemas.openxmlformats.org/officeDocument/2006/relationships" xmlns:p="http://schemas.openxmlformats.org/presentationml/2006/main">
   <p:cSld>
